--- a/Midterm Presentation DRAFT.pptx
+++ b/Midterm Presentation DRAFT.pptx
@@ -110,6 +110,11 @@
       </a:defRPr>
     </a:lvl9pPr>
   </p:defaultTextStyle>
+  <p:extLst>
+    <p:ext uri="{EFAFB233-063F-42B5-8137-9DF3F51BA10A}">
+      <p15:sldGuideLst xmlns:p15="http://schemas.microsoft.com/office/powerpoint/2012/main"/>
+    </p:ext>
+  </p:extLst>
 </p:presentation>
 </file>
 
@@ -252,7 +257,7 @@
           <a:p>
             <a:fld id="{F2D268E6-EC3A-344C-8580-C178A4EC2AF0}" type="datetimeFigureOut">
               <a:rPr lang="en-US" smtClean="0"/>
-              <a:t>3/9/18</a:t>
+              <a:t>3/19/18</a:t>
             </a:fld>
             <a:endParaRPr lang="en-US"/>
           </a:p>
@@ -463,7 +468,7 @@
           <a:p>
             <a:fld id="{F2D268E6-EC3A-344C-8580-C178A4EC2AF0}" type="datetimeFigureOut">
               <a:rPr lang="en-US" smtClean="0"/>
-              <a:t>3/9/18</a:t>
+              <a:t>3/19/18</a:t>
             </a:fld>
             <a:endParaRPr lang="en-US"/>
           </a:p>
@@ -678,7 +683,7 @@
           <a:p>
             <a:fld id="{F2D268E6-EC3A-344C-8580-C178A4EC2AF0}" type="datetimeFigureOut">
               <a:rPr lang="en-US" smtClean="0"/>
-              <a:t>3/9/18</a:t>
+              <a:t>3/19/18</a:t>
             </a:fld>
             <a:endParaRPr lang="en-US"/>
           </a:p>
@@ -879,7 +884,7 @@
           <a:p>
             <a:fld id="{F2D268E6-EC3A-344C-8580-C178A4EC2AF0}" type="datetimeFigureOut">
               <a:rPr lang="en-US" smtClean="0"/>
-              <a:t>3/9/18</a:t>
+              <a:t>3/19/18</a:t>
             </a:fld>
             <a:endParaRPr lang="en-US"/>
           </a:p>
@@ -1158,7 +1163,7 @@
           <a:p>
             <a:fld id="{F2D268E6-EC3A-344C-8580-C178A4EC2AF0}" type="datetimeFigureOut">
               <a:rPr lang="en-US" smtClean="0"/>
-              <a:t>3/9/18</a:t>
+              <a:t>3/19/18</a:t>
             </a:fld>
             <a:endParaRPr lang="en-US"/>
           </a:p>
@@ -1426,7 +1431,7 @@
           <a:p>
             <a:fld id="{F2D268E6-EC3A-344C-8580-C178A4EC2AF0}" type="datetimeFigureOut">
               <a:rPr lang="en-US" smtClean="0"/>
-              <a:t>3/9/18</a:t>
+              <a:t>3/19/18</a:t>
             </a:fld>
             <a:endParaRPr lang="en-US"/>
           </a:p>
@@ -1842,7 +1847,7 @@
           <a:p>
             <a:fld id="{F2D268E6-EC3A-344C-8580-C178A4EC2AF0}" type="datetimeFigureOut">
               <a:rPr lang="en-US" smtClean="0"/>
-              <a:t>3/9/18</a:t>
+              <a:t>3/19/18</a:t>
             </a:fld>
             <a:endParaRPr lang="en-US"/>
           </a:p>
@@ -1991,7 +1996,7 @@
           <a:p>
             <a:fld id="{F2D268E6-EC3A-344C-8580-C178A4EC2AF0}" type="datetimeFigureOut">
               <a:rPr lang="en-US" smtClean="0"/>
-              <a:t>3/9/18</a:t>
+              <a:t>3/19/18</a:t>
             </a:fld>
             <a:endParaRPr lang="en-US"/>
           </a:p>
@@ -2117,7 +2122,7 @@
           <a:p>
             <a:fld id="{F2D268E6-EC3A-344C-8580-C178A4EC2AF0}" type="datetimeFigureOut">
               <a:rPr lang="en-US" smtClean="0"/>
-              <a:t>3/9/18</a:t>
+              <a:t>3/19/18</a:t>
             </a:fld>
             <a:endParaRPr lang="en-US"/>
           </a:p>
@@ -2368,7 +2373,7 @@
           <a:p>
             <a:fld id="{F2D268E6-EC3A-344C-8580-C178A4EC2AF0}" type="datetimeFigureOut">
               <a:rPr lang="en-US" smtClean="0"/>
-              <a:t>3/9/18</a:t>
+              <a:t>3/19/18</a:t>
             </a:fld>
             <a:endParaRPr lang="en-US"/>
           </a:p>
@@ -2813,7 +2818,7 @@
           <a:p>
             <a:fld id="{F2D268E6-EC3A-344C-8580-C178A4EC2AF0}" type="datetimeFigureOut">
               <a:rPr lang="en-US" smtClean="0"/>
-              <a:t>3/9/18</a:t>
+              <a:t>3/19/18</a:t>
             </a:fld>
             <a:endParaRPr lang="en-US"/>
           </a:p>
@@ -3139,7 +3144,7 @@
           <a:p>
             <a:fld id="{F2D268E6-EC3A-344C-8580-C178A4EC2AF0}" type="datetimeFigureOut">
               <a:rPr lang="en-US" smtClean="0"/>
-              <a:t>3/9/18</a:t>
+              <a:t>3/19/18</a:t>
             </a:fld>
             <a:endParaRPr lang="en-US"/>
           </a:p>
@@ -3674,7 +3679,26 @@
           <a:bodyPr/>
           <a:lstStyle/>
           <a:p>
-            <a:endParaRPr lang="en-US"/>
+            <a:r>
+              <a:rPr lang="en-US" dirty="0"/>
+              <a:t>Brian </a:t>
+            </a:r>
+            <a:r>
+              <a:rPr lang="en-US" dirty="0" err="1"/>
+              <a:t>byrne</a:t>
+            </a:r>
+            <a:r>
+              <a:rPr lang="en-US" dirty="0"/>
+              <a:t>, Mark </a:t>
+            </a:r>
+            <a:r>
+              <a:rPr lang="en-US" dirty="0" err="1"/>
+              <a:t>Giannini</a:t>
+            </a:r>
+            <a:r>
+              <a:rPr lang="en-US" dirty="0"/>
+              <a:t>, Patrick Tinsley</a:t>
+            </a:r>
           </a:p>
         </p:txBody>
       </p:sp>
@@ -3759,19 +3783,27 @@
           <a:p>
             <a:r>
               <a:rPr lang="en-US" dirty="0"/>
-              <a:t>Keep track of retweet, like, comment ratio</a:t>
+              <a:t>Keep track of like, comment and user followers ratio</a:t>
             </a:r>
           </a:p>
           <a:p>
             <a:r>
               <a:rPr lang="en-US" dirty="0"/>
-              <a:t>Use sentiment analysis</a:t>
+              <a:t>Use sentiment analysis on mentions of person</a:t>
             </a:r>
           </a:p>
           <a:p>
             <a:r>
               <a:rPr lang="en-US" dirty="0"/>
-              <a:t>Inspired from article</a:t>
+              <a:t>Inspired from </a:t>
+            </a:r>
+            <a:r>
+              <a:rPr lang="en-US" dirty="0" err="1"/>
+              <a:t>fivethirtyeight</a:t>
+            </a:r>
+            <a:r>
+              <a:rPr lang="en-US" dirty="0"/>
+              <a:t> article about political tweeters</a:t>
             </a:r>
           </a:p>
         </p:txBody>
@@ -3863,7 +3895,13 @@
           <a:p>
             <a:r>
               <a:rPr lang="en-US" dirty="0"/>
-              <a:t>Give explanation for why we categorized them as controversial or not</a:t>
+              <a:t>Didn’t want to redo politics</a:t>
+            </a:r>
+          </a:p>
+          <a:p>
+            <a:r>
+              <a:rPr lang="en-US" dirty="0"/>
+              <a:t>Two categories, controversial and non controversial</a:t>
             </a:r>
           </a:p>
         </p:txBody>
@@ -4046,25 +4084,19 @@
           <a:p>
             <a:r>
               <a:rPr lang="en-US" dirty="0"/>
-              <a:t>Tracking comments (replies hard to deal with in </a:t>
-            </a:r>
-            <a:r>
-              <a:rPr lang="en-US" dirty="0" err="1"/>
-              <a:t>tweepy</a:t>
-            </a:r>
+              <a:t>Tracking comments if it is even possible</a:t>
+            </a:r>
+          </a:p>
+          <a:p>
             <a:r>
               <a:rPr lang="en-US" dirty="0"/>
-              <a:t>)</a:t>
-            </a:r>
-          </a:p>
-          <a:p>
-            <a:r>
-              <a:rPr lang="en-US" dirty="0" err="1"/>
-              <a:t>Ect</a:t>
-            </a:r>
+              <a:t>Having correct sentiment analysis </a:t>
+            </a:r>
+          </a:p>
+          <a:p>
             <a:r>
               <a:rPr lang="en-US" dirty="0"/>
-              <a:t>.</a:t>
+              <a:t>Validation</a:t>
             </a:r>
           </a:p>
         </p:txBody>
@@ -4148,14 +4180,6 @@
           <a:bodyPr/>
           <a:lstStyle/>
           <a:p>
-            <a:r>
-              <a:rPr lang="en-US" dirty="0"/>
-              <a:t>Show some people’s </a:t>
-            </a:r>
-            <a:r>
-              <a:rPr lang="en-US" dirty="0" err="1"/>
-              <a:t>controversialness</a:t>
-            </a:r>
             <a:endParaRPr lang="en-US" dirty="0"/>
           </a:p>
         </p:txBody>
